--- a/2-coverage/lec12-llvm-ir-v2.pptx
+++ b/2-coverage/lec12-llvm-ir-v2.pptx
@@ -247,7 +247,7 @@
           <a:p>
             <a:fld id="{C7FD2924-D280-4505-BAC6-AD9B19A15CC3}" type="datetimeFigureOut">
               <a:rPr lang="ko-KR" altLang="en-US" smtClean="0"/>
-              <a:t>2023-04-13</a:t>
+              <a:t>2023-04-15</a:t>
             </a:fld>
             <a:endParaRPr lang="ko-KR" altLang="en-US"/>
           </a:p>
@@ -870,7 +870,7 @@
           <a:p>
             <a:fld id="{D6A4030A-28C9-4AA6-9564-7355F2F06A57}" type="datetime1">
               <a:rPr lang="ko-KR" altLang="en-US" smtClean="0"/>
-              <a:t>2023-04-13</a:t>
+              <a:t>2023-04-15</a:t>
             </a:fld>
             <a:endParaRPr lang="ko-KR" altLang="en-US"/>
           </a:p>
@@ -996,7 +996,7 @@
           <a:p>
             <a:fld id="{93642A64-17FC-4D1B-A4C5-869316C2C141}" type="datetime1">
               <a:rPr lang="ko-KR" altLang="en-US" smtClean="0"/>
-              <a:t>2023-04-13</a:t>
+              <a:t>2023-04-15</a:t>
             </a:fld>
             <a:endParaRPr lang="ko-KR" altLang="en-US"/>
           </a:p>
@@ -1178,7 +1178,7 @@
           <a:p>
             <a:fld id="{1B02FC80-6EA7-47D6-BABE-A62610B56D28}" type="datetime1">
               <a:rPr lang="ko-KR" altLang="en-US" smtClean="0"/>
-              <a:t>2023-04-13</a:t>
+              <a:t>2023-04-15</a:t>
             </a:fld>
             <a:endParaRPr lang="ko-KR" altLang="en-US"/>
           </a:p>
@@ -1440,7 +1440,7 @@
                   </a:prstClr>
                 </a:solidFill>
               </a:rPr>
-              <a:t>2023-04-13</a:t>
+              <a:t>2023-04-15</a:t>
             </a:fld>
             <a:endParaRPr lang="ko-KR" altLang="en-US">
               <a:solidFill>
@@ -1795,7 +1795,7 @@
                   </a:prstClr>
                 </a:solidFill>
               </a:rPr>
-              <a:t>2023-04-13</a:t>
+              <a:t>2023-04-15</a:t>
             </a:fld>
             <a:endParaRPr lang="ko-KR" altLang="en-US">
               <a:solidFill>
@@ -2162,7 +2162,7 @@
                   </a:prstClr>
                 </a:solidFill>
               </a:rPr>
-              <a:t>2023-04-13</a:t>
+              <a:t>2023-04-15</a:t>
             </a:fld>
             <a:endParaRPr lang="ko-KR" altLang="en-US">
               <a:solidFill>
@@ -2360,7 +2360,7 @@
                   </a:prstClr>
                 </a:solidFill>
               </a:rPr>
-              <a:t>2023-04-13</a:t>
+              <a:t>2023-04-15</a:t>
             </a:fld>
             <a:endParaRPr lang="ko-KR" altLang="en-US">
               <a:solidFill>
@@ -2536,7 +2536,7 @@
                   </a:prstClr>
                 </a:solidFill>
               </a:rPr>
-              <a:t>2023-04-13</a:t>
+              <a:t>2023-04-15</a:t>
             </a:fld>
             <a:endParaRPr lang="ko-KR" altLang="en-US">
               <a:solidFill>
@@ -2823,7 +2823,7 @@
                   </a:prstClr>
                 </a:solidFill>
               </a:rPr>
-              <a:t>2023-04-13</a:t>
+              <a:t>2023-04-15</a:t>
             </a:fld>
             <a:endParaRPr lang="en-US" altLang="ko-KR">
               <a:solidFill>
@@ -3050,7 +3050,7 @@
           <a:p>
             <a:fld id="{5972FA16-56DC-42C5-8299-62A03231F761}" type="datetime1">
               <a:rPr lang="ko-KR" altLang="en-US" smtClean="0"/>
-              <a:t>2023-04-13</a:t>
+              <a:t>2023-04-15</a:t>
             </a:fld>
             <a:endParaRPr lang="ko-KR" altLang="en-US"/>
           </a:p>
@@ -3299,7 +3299,7 @@
           <a:p>
             <a:fld id="{D21905B7-D8F1-4AB2-815F-B5764F6CE49F}" type="datetime1">
               <a:rPr lang="ko-KR" altLang="en-US" smtClean="0"/>
-              <a:t>2023-04-13</a:t>
+              <a:t>2023-04-15</a:t>
             </a:fld>
             <a:endParaRPr lang="ko-KR" altLang="en-US"/>
           </a:p>
@@ -3588,7 +3588,7 @@
           <a:p>
             <a:fld id="{8E02A14C-B1E0-4FEF-A05F-72154AB14455}" type="datetime1">
               <a:rPr lang="ko-KR" altLang="en-US" smtClean="0"/>
-              <a:t>2023-04-13</a:t>
+              <a:t>2023-04-15</a:t>
             </a:fld>
             <a:endParaRPr lang="ko-KR" altLang="en-US"/>
           </a:p>
@@ -4011,7 +4011,7 @@
           <a:p>
             <a:fld id="{63886CA7-359E-4B5D-91F3-6B3B9A5EED81}" type="datetime1">
               <a:rPr lang="ko-KR" altLang="en-US" smtClean="0"/>
-              <a:t>2023-04-13</a:t>
+              <a:t>2023-04-15</a:t>
             </a:fld>
             <a:endParaRPr lang="ko-KR" altLang="en-US"/>
           </a:p>
@@ -4132,7 +4132,7 @@
           <a:p>
             <a:fld id="{16882C6A-3284-451C-BFBD-D3E6B47C2A82}" type="datetime1">
               <a:rPr lang="ko-KR" altLang="en-US" smtClean="0"/>
-              <a:t>2023-04-13</a:t>
+              <a:t>2023-04-15</a:t>
             </a:fld>
             <a:endParaRPr lang="ko-KR" altLang="en-US"/>
           </a:p>
@@ -4231,7 +4231,7 @@
           <a:p>
             <a:fld id="{F83C0B8E-6B5C-4492-A32D-82C93727986C}" type="datetime1">
               <a:rPr lang="ko-KR" altLang="en-US" smtClean="0"/>
-              <a:t>2023-04-13</a:t>
+              <a:t>2023-04-15</a:t>
             </a:fld>
             <a:endParaRPr lang="ko-KR" altLang="en-US"/>
           </a:p>
@@ -4510,7 +4510,7 @@
           <a:p>
             <a:fld id="{8973ABBB-793D-4587-9055-908626D07AE3}" type="datetime1">
               <a:rPr lang="ko-KR" altLang="en-US" smtClean="0"/>
-              <a:t>2023-04-13</a:t>
+              <a:t>2023-04-15</a:t>
             </a:fld>
             <a:endParaRPr lang="ko-KR" altLang="en-US"/>
           </a:p>
@@ -4769,7 +4769,7 @@
           <a:p>
             <a:fld id="{163126C1-F9FB-4935-B547-5805BAE95E9E}" type="datetime1">
               <a:rPr lang="ko-KR" altLang="en-US" smtClean="0"/>
-              <a:t>2023-04-13</a:t>
+              <a:t>2023-04-15</a:t>
             </a:fld>
             <a:endParaRPr lang="ko-KR" altLang="en-US"/>
           </a:p>
@@ -4985,7 +4985,7 @@
           <a:p>
             <a:fld id="{5DF68B58-71AB-438A-852A-D262459D036E}" type="datetime1">
               <a:rPr lang="ko-KR" altLang="en-US" smtClean="0"/>
-              <a:t>2023-04-13</a:t>
+              <a:t>2023-04-15</a:t>
             </a:fld>
             <a:endParaRPr lang="ko-KR" altLang="en-US"/>
           </a:p>
@@ -5540,7 +5540,7 @@
                   </a:prstClr>
                 </a:solidFill>
               </a:rPr>
-              <a:t>2023-04-13</a:t>
+              <a:t>2023-04-15</a:t>
             </a:fld>
             <a:endParaRPr lang="ko-KR" altLang="en-US">
               <a:solidFill>
@@ -6136,7 +6136,7 @@
           <a:p>
             <a:fld id="{C6807281-C594-49E1-931C-993FD6DEDE1F}" type="datetime1">
               <a:rPr lang="ko-KR" altLang="en-US" smtClean="0"/>
-              <a:t>2023-04-13</a:t>
+              <a:t>2023-04-15</a:t>
             </a:fld>
             <a:endParaRPr lang="ko-KR" altLang="en-US"/>
           </a:p>
@@ -6390,7 +6390,7 @@
           <a:p>
             <a:fld id="{AADC4C1D-8DC3-44B3-AE55-6B75A33AEA66}" type="datetime1">
               <a:rPr lang="ko-KR" altLang="en-US" smtClean="0"/>
-              <a:t>2023-04-13</a:t>
+              <a:t>2023-04-15</a:t>
             </a:fld>
             <a:endParaRPr lang="ko-KR" altLang="en-US"/>
           </a:p>
@@ -6563,7 +6563,7 @@
           <a:p>
             <a:fld id="{228B81D5-4EB3-4E53-82A3-627CC477DA58}" type="datetime1">
               <a:rPr lang="ko-KR" altLang="en-US" smtClean="0"/>
-              <a:t>2023-04-13</a:t>
+              <a:t>2023-04-15</a:t>
             </a:fld>
             <a:endParaRPr lang="ko-KR" altLang="en-US"/>
           </a:p>
@@ -7512,7 +7512,7 @@
           <a:p>
             <a:fld id="{EBBB10FC-9C7E-448C-BCD2-92836878804D}" type="datetime1">
               <a:rPr lang="ko-KR" altLang="en-US" smtClean="0"/>
-              <a:t>2023-04-13</a:t>
+              <a:t>2023-04-15</a:t>
             </a:fld>
             <a:endParaRPr lang="ko-KR" altLang="en-US"/>
           </a:p>
@@ -8448,7 +8448,7 @@
           <a:p>
             <a:fld id="{361E60C5-5DE2-4F1D-A3CA-2B9C99772244}" type="datetime1">
               <a:rPr lang="ko-KR" altLang="en-US" smtClean="0"/>
-              <a:t>2023-04-13</a:t>
+              <a:t>2023-04-15</a:t>
             </a:fld>
             <a:endParaRPr lang="ko-KR" altLang="en-US"/>
           </a:p>
@@ -8925,7 +8925,7 @@
           <a:p>
             <a:fld id="{D18E14E7-2A19-42D3-9611-ED78C0C865B8}" type="datetime1">
               <a:rPr lang="ko-KR" altLang="en-US" smtClean="0"/>
-              <a:t>2023-04-13</a:t>
+              <a:t>2023-04-15</a:t>
             </a:fld>
             <a:endParaRPr lang="ko-KR" altLang="en-US"/>
           </a:p>
@@ -9186,7 +9186,7 @@
           <a:p>
             <a:fld id="{49D40FD3-2CBF-4CD1-9910-09BECA7471ED}" type="datetime1">
               <a:rPr lang="ko-KR" altLang="en-US" smtClean="0"/>
-              <a:t>2023-04-13</a:t>
+              <a:t>2023-04-15</a:t>
             </a:fld>
             <a:endParaRPr lang="ko-KR" altLang="en-US"/>
           </a:p>
@@ -9425,7 +9425,7 @@
           <a:p>
             <a:fld id="{A52D8E35-5020-4556-B7D5-014EC4FE70CC}" type="datetime1">
               <a:rPr lang="ko-KR" altLang="en-US" smtClean="0"/>
-              <a:t>2023-04-13</a:t>
+              <a:t>2023-04-15</a:t>
             </a:fld>
             <a:endParaRPr lang="ko-KR" altLang="en-US"/>
           </a:p>
@@ -9803,7 +9803,7 @@
           <a:p>
             <a:fld id="{69B23FFF-ADC3-4DBF-AD15-A00414FAE676}" type="datetime1">
               <a:rPr lang="ko-KR" altLang="en-US" smtClean="0"/>
-              <a:t>2023-04-13</a:t>
+              <a:t>2023-04-15</a:t>
             </a:fld>
             <a:endParaRPr lang="ko-KR" altLang="en-US"/>
           </a:p>
@@ -10023,7 +10023,7 @@
           <a:p>
             <a:fld id="{5972FA16-56DC-42C5-8299-62A03231F761}" type="datetime1">
               <a:rPr lang="ko-KR" altLang="en-US" smtClean="0"/>
-              <a:t>2023-04-13</a:t>
+              <a:t>2023-04-15</a:t>
             </a:fld>
             <a:endParaRPr lang="ko-KR" altLang="en-US"/>
           </a:p>
@@ -11212,7 +11212,7 @@
           <a:p>
             <a:fld id="{5972FA16-56DC-42C5-8299-62A03231F761}" type="datetime1">
               <a:rPr lang="ko-KR" altLang="en-US" smtClean="0"/>
-              <a:t>2023-04-13</a:t>
+              <a:t>2023-04-15</a:t>
             </a:fld>
             <a:endParaRPr lang="ko-KR" altLang="en-US"/>
           </a:p>
@@ -13093,7 +13093,7 @@
           <a:p>
             <a:fld id="{AED6A7DB-55D9-4729-85D7-E7D6C30D80C4}" type="datetime1">
               <a:rPr lang="ko-KR" altLang="en-US" smtClean="0"/>
-              <a:t>2023-04-13</a:t>
+              <a:t>2023-04-15</a:t>
             </a:fld>
             <a:endParaRPr lang="ko-KR" altLang="en-US"/>
           </a:p>
@@ -13426,7 +13426,7 @@
           <a:p>
             <a:fld id="{ABB4C4F5-BB8F-4185-A285-1182BDFFE680}" type="datetime1">
               <a:rPr lang="ko-KR" altLang="en-US" smtClean="0"/>
-              <a:t>2023-04-13</a:t>
+              <a:t>2023-04-15</a:t>
             </a:fld>
             <a:endParaRPr lang="ko-KR" altLang="en-US"/>
           </a:p>
@@ -13797,7 +13797,7 @@
           <a:p>
             <a:fld id="{5972FA16-56DC-42C5-8299-62A03231F761}" type="datetime1">
               <a:rPr lang="ko-KR" altLang="en-US" smtClean="0"/>
-              <a:t>2023-04-13</a:t>
+              <a:t>2023-04-15</a:t>
             </a:fld>
             <a:endParaRPr lang="ko-KR" altLang="en-US"/>
           </a:p>
@@ -14262,7 +14262,7 @@
           <a:p>
             <a:fld id="{5972FA16-56DC-42C5-8299-62A03231F761}" type="datetime1">
               <a:rPr lang="ko-KR" altLang="en-US" smtClean="0"/>
-              <a:t>2023-04-13</a:t>
+              <a:t>2023-04-15</a:t>
             </a:fld>
             <a:endParaRPr lang="ko-KR" altLang="en-US"/>
           </a:p>
@@ -19470,7 +19470,7 @@
           <a:p>
             <a:fld id="{5972FA16-56DC-42C5-8299-62A03231F761}" type="datetime1">
               <a:rPr lang="ko-KR" altLang="en-US" smtClean="0"/>
-              <a:t>2023-04-13</a:t>
+              <a:t>2023-04-15</a:t>
             </a:fld>
             <a:endParaRPr lang="ko-KR" altLang="en-US"/>
           </a:p>
@@ -19763,7 +19763,7 @@
           <a:p>
             <a:fld id="{5972FA16-56DC-42C5-8299-62A03231F761}" type="datetime1">
               <a:rPr lang="ko-KR" altLang="en-US" smtClean="0"/>
-              <a:t>2023-04-13</a:t>
+              <a:t>2023-04-15</a:t>
             </a:fld>
             <a:endParaRPr lang="ko-KR" altLang="en-US"/>
           </a:p>
@@ -20327,7 +20327,7 @@
           <a:p>
             <a:fld id="{5972FA16-56DC-42C5-8299-62A03231F761}" type="datetime1">
               <a:rPr lang="ko-KR" altLang="en-US" smtClean="0"/>
-              <a:t>2023-04-13</a:t>
+              <a:t>2023-04-15</a:t>
             </a:fld>
             <a:endParaRPr lang="ko-KR" altLang="en-US"/>
           </a:p>
@@ -21314,7 +21314,7 @@
           <a:p>
             <a:fld id="{5972FA16-56DC-42C5-8299-62A03231F761}" type="datetime1">
               <a:rPr lang="ko-KR" altLang="en-US" smtClean="0"/>
-              <a:t>2023-04-13</a:t>
+              <a:t>2023-04-15</a:t>
             </a:fld>
             <a:endParaRPr lang="ko-KR" altLang="en-US"/>
           </a:p>
@@ -21439,7 +21439,7 @@
         </p:spPr>
         <p:txBody>
           <a:bodyPr>
-            <a:normAutofit lnSpcReduction="10000"/>
+            <a:normAutofit fontScale="92500" lnSpcReduction="10000"/>
           </a:bodyPr>
           <a:lstStyle/>
           <a:p>
@@ -21506,22 +21506,22 @@
               <a:t> .. to</a:t>
             </a:r>
             <a:r>
-              <a:rPr lang="en-US" altLang="ko-KR" sz="2200" dirty="0"/>
+              <a:rPr lang="en-US" altLang="ko-KR" sz="2200"/>
               <a:t>, </a:t>
             </a:r>
             <a:r>
-              <a:rPr lang="en-US" altLang="ko-KR" sz="2200" dirty="0" err="1">
-                <a:latin typeface="Courier New" panose="02070309020205020404" pitchFamily="49" charset="0"/>
-                <a:cs typeface="Courier New" panose="02070309020205020404" pitchFamily="49" charset="0"/>
-              </a:rPr>
-              <a:t>tptosi</a:t>
+              <a:rPr lang="en-US" altLang="ko-KR" sz="2200">
+                <a:latin typeface="Courier New" panose="02070309020205020404" pitchFamily="49" charset="0"/>
+                <a:cs typeface="Courier New" panose="02070309020205020404" pitchFamily="49" charset="0"/>
+              </a:rPr>
+              <a:t>fptosi </a:t>
             </a:r>
             <a:r>
               <a:rPr lang="en-US" altLang="ko-KR" sz="2200" dirty="0">
                 <a:latin typeface="Courier New" panose="02070309020205020404" pitchFamily="49" charset="0"/>
                 <a:cs typeface="Courier New" panose="02070309020205020404" pitchFamily="49" charset="0"/>
               </a:rPr>
-              <a:t> .. to</a:t>
+              <a:t>.. to</a:t>
             </a:r>
             <a:r>
               <a:rPr lang="en-US" altLang="ko-KR" sz="2200" dirty="0"/>
@@ -21726,7 +21726,7 @@
           <a:p>
             <a:fld id="{5972FA16-56DC-42C5-8299-62A03231F761}" type="datetime1">
               <a:rPr lang="ko-KR" altLang="en-US" smtClean="0"/>
-              <a:t>2023-04-13</a:t>
+              <a:t>2023-04-15</a:t>
             </a:fld>
             <a:endParaRPr lang="ko-KR" altLang="en-US"/>
           </a:p>
@@ -21896,7 +21896,7 @@
           <a:p>
             <a:fld id="{1EDCE299-BD43-4BCF-8355-CF484E9A3053}" type="datetime1">
               <a:rPr lang="ko-KR" altLang="en-US" smtClean="0"/>
-              <a:t>2023-04-13</a:t>
+              <a:t>2023-04-15</a:t>
             </a:fld>
             <a:endParaRPr lang="ko-KR" altLang="en-US"/>
           </a:p>
@@ -22401,7 +22401,7 @@
           <a:p>
             <a:fld id="{5972FA16-56DC-42C5-8299-62A03231F761}" type="datetime1">
               <a:rPr lang="ko-KR" altLang="en-US" smtClean="0"/>
-              <a:t>2023-04-13</a:t>
+              <a:t>2023-04-15</a:t>
             </a:fld>
             <a:endParaRPr lang="ko-KR" altLang="en-US"/>
           </a:p>
@@ -22643,11 +22643,23 @@
             </a:pPr>
             <a:r>
               <a:rPr lang="en-US" altLang="ko-KR" sz="2000" dirty="0" err="1"/>
-              <a:t>E.g</a:t>
+              <a:t>E</a:t>
+            </a:r>
+            <a:r>
+              <a:rPr lang="en-US" altLang="ko-KR" sz="2000" err="1"/>
+              <a:t>.</a:t>
+            </a:r>
+            <a:r>
+              <a:rPr lang="en-US" altLang="ko-KR" sz="2000"/>
+              <a:t>g.</a:t>
             </a:r>
             <a:r>
               <a:rPr lang="en-US" altLang="ko-KR" sz="2000" dirty="0"/>
-              <a:t>:  </a:t>
+              <a:t>,</a:t>
+            </a:r>
+            <a:r>
+              <a:rPr lang="en-US" altLang="ko-KR" sz="2000"/>
+              <a:t>  </a:t>
             </a:r>
             <a:r>
               <a:rPr lang="en-US" altLang="ko-KR" sz="2000" dirty="0">
@@ -22709,7 +22721,11 @@
             </a:pPr>
             <a:r>
               <a:rPr lang="en-US" altLang="ko-KR" sz="2000" dirty="0"/>
-              <a:t>E.g. </a:t>
+              <a:t>E.</a:t>
+            </a:r>
+            <a:r>
+              <a:rPr lang="en-US" altLang="ko-KR" sz="2000"/>
+              <a:t>g., </a:t>
             </a:r>
             <a:r>
               <a:rPr lang="en-US" altLang="ko-KR" sz="2000" dirty="0">
@@ -22752,7 +22768,7 @@
           <a:p>
             <a:fld id="{5972FA16-56DC-42C5-8299-62A03231F761}" type="datetime1">
               <a:rPr lang="ko-KR" altLang="en-US" smtClean="0"/>
-              <a:t>2023-04-13</a:t>
+              <a:t>2023-04-15</a:t>
             </a:fld>
             <a:endParaRPr lang="ko-KR" altLang="en-US"/>
           </a:p>
@@ -22976,7 +22992,7 @@
           <a:p>
             <a:fld id="{5972FA16-56DC-42C5-8299-62A03231F761}" type="datetime1">
               <a:rPr lang="ko-KR" altLang="en-US" smtClean="0"/>
-              <a:t>2023-04-13</a:t>
+              <a:t>2023-04-15</a:t>
             </a:fld>
             <a:endParaRPr lang="ko-KR" altLang="en-US"/>
           </a:p>
@@ -23332,7 +23348,7 @@
           <a:p>
             <a:fld id="{5972FA16-56DC-42C5-8299-62A03231F761}" type="datetime1">
               <a:rPr lang="ko-KR" altLang="en-US" smtClean="0"/>
-              <a:t>2023-04-13</a:t>
+              <a:t>2023-04-15</a:t>
             </a:fld>
             <a:endParaRPr lang="ko-KR" altLang="en-US"/>
           </a:p>
@@ -23944,7 +23960,7 @@
           <a:p>
             <a:fld id="{5972FA16-56DC-42C5-8299-62A03231F761}" type="datetime1">
               <a:rPr lang="ko-KR" altLang="en-US" smtClean="0"/>
-              <a:t>2023-04-13</a:t>
+              <a:t>2023-04-15</a:t>
             </a:fld>
             <a:endParaRPr lang="ko-KR" altLang="en-US"/>
           </a:p>
@@ -24911,7 +24927,7 @@
           <a:p>
             <a:fld id="{5972FA16-56DC-42C5-8299-62A03231F761}" type="datetime1">
               <a:rPr lang="ko-KR" altLang="en-US" smtClean="0"/>
-              <a:t>2023-04-13</a:t>
+              <a:t>2023-04-15</a:t>
             </a:fld>
             <a:endParaRPr lang="ko-KR" altLang="en-US"/>
           </a:p>
@@ -26483,7 +26499,7 @@
           <a:p>
             <a:fld id="{5972FA16-56DC-42C5-8299-62A03231F761}" type="datetime1">
               <a:rPr lang="ko-KR" altLang="en-US" smtClean="0"/>
-              <a:t>2023-04-13</a:t>
+              <a:t>2023-04-15</a:t>
             </a:fld>
             <a:endParaRPr lang="ko-KR" altLang="en-US"/>
           </a:p>
@@ -27682,7 +27698,7 @@
           <a:p>
             <a:fld id="{5972FA16-56DC-42C5-8299-62A03231F761}" type="datetime1">
               <a:rPr lang="ko-KR" altLang="en-US" smtClean="0"/>
-              <a:t>2023-04-13</a:t>
+              <a:t>2023-04-15</a:t>
             </a:fld>
             <a:endParaRPr lang="ko-KR" altLang="en-US"/>
           </a:p>
@@ -28014,7 +28030,7 @@
           <a:p>
             <a:fld id="{5972FA16-56DC-42C5-8299-62A03231F761}" type="datetime1">
               <a:rPr lang="ko-KR" altLang="en-US" smtClean="0"/>
-              <a:t>2023-04-13</a:t>
+              <a:t>2023-04-15</a:t>
             </a:fld>
             <a:endParaRPr lang="ko-KR" altLang="en-US"/>
           </a:p>
@@ -28960,7 +28976,7 @@
           <a:p>
             <a:fld id="{6A14ADAD-AB32-46D0-B90F-5835826F9A25}" type="datetime1">
               <a:rPr lang="ko-KR" altLang="en-US" smtClean="0"/>
-              <a:t>2023-04-13</a:t>
+              <a:t>2023-04-15</a:t>
             </a:fld>
             <a:endParaRPr lang="ko-KR" altLang="en-US"/>
           </a:p>
@@ -29374,7 +29390,7 @@
           <a:p>
             <a:fld id="{CFBB3CFB-505E-4A5C-99AA-BACF9C1949BD}" type="datetime1">
               <a:rPr lang="ko-KR" altLang="en-US" smtClean="0"/>
-              <a:t>2023-04-13</a:t>
+              <a:t>2023-04-15</a:t>
             </a:fld>
             <a:endParaRPr lang="ko-KR" altLang="en-US"/>
           </a:p>
@@ -31209,7 +31225,7 @@
           <a:p>
             <a:fld id="{9224B591-FAE3-4FF9-8AC0-A51260853EB3}" type="datetime1">
               <a:rPr lang="ko-KR" altLang="en-US" smtClean="0"/>
-              <a:t>2023-04-13</a:t>
+              <a:t>2023-04-15</a:t>
             </a:fld>
             <a:endParaRPr lang="ko-KR" altLang="en-US"/>
           </a:p>
@@ -31338,7 +31354,7 @@
           <a:p>
             <a:fld id="{7655FB73-842F-4FB6-B266-27DC623DA568}" type="datetime1">
               <a:rPr lang="ko-KR" altLang="en-US" smtClean="0"/>
-              <a:t>2023-04-13</a:t>
+              <a:t>2023-04-15</a:t>
             </a:fld>
             <a:endParaRPr lang="ko-KR" altLang="en-US"/>
           </a:p>
@@ -32923,7 +32939,7 @@
           <a:p>
             <a:fld id="{CCAB5AAB-17BE-4E17-9571-643E7C3B8464}" type="datetime1">
               <a:rPr lang="ko-KR" altLang="en-US" smtClean="0"/>
-              <a:t>2023-04-13</a:t>
+              <a:t>2023-04-15</a:t>
             </a:fld>
             <a:endParaRPr lang="ko-KR" altLang="en-US"/>
           </a:p>
@@ -33293,7 +33309,7 @@
         <p:spPr>
           <a:xfrm>
             <a:off x="83121" y="5711169"/>
-            <a:ext cx="3480767" cy="307777"/>
+            <a:ext cx="3725366" cy="523220"/>
           </a:xfrm>
           <a:prstGeom prst="rect">
             <a:avLst/>
@@ -33308,36 +33324,55 @@
           </a:bodyPr>
           <a:lstStyle/>
           <a:p>
-            <a:pPr algn="ctr"/>
-            <a:r>
-              <a:rPr lang="en-US" altLang="ko-KR" sz="1400" dirty="0">
-                <a:latin typeface="Courier New" panose="02070309020205020404" pitchFamily="49" charset="0"/>
-                <a:cs typeface="Courier New" panose="02070309020205020404" pitchFamily="49" charset="0"/>
-              </a:rPr>
-              <a:t>$ clang –S –emit-</a:t>
-            </a:r>
-            <a:r>
-              <a:rPr lang="en-US" altLang="ko-KR" sz="1400" dirty="0" err="1">
+            <a:r>
+              <a:rPr lang="en-US" altLang="ko-KR" sz="1400" b="1" dirty="0">
+                <a:latin typeface="Courier New" panose="02070309020205020404" pitchFamily="49" charset="0"/>
+                <a:cs typeface="Courier New" panose="02070309020205020404" pitchFamily="49" charset="0"/>
+              </a:rPr>
+              <a:t>$ clang –S –</a:t>
+            </a:r>
+            <a:r>
+              <a:rPr lang="en-US" altLang="ko-KR" sz="1400" b="1">
+                <a:latin typeface="Courier New" panose="02070309020205020404" pitchFamily="49" charset="0"/>
+                <a:cs typeface="Courier New" panose="02070309020205020404" pitchFamily="49" charset="0"/>
+              </a:rPr>
+              <a:t>emit-</a:t>
+            </a:r>
+            <a:r>
+              <a:rPr lang="en-US" altLang="ko-KR" sz="1400" b="1" err="1">
                 <a:latin typeface="Courier New" panose="02070309020205020404" pitchFamily="49" charset="0"/>
                 <a:cs typeface="Courier New" panose="02070309020205020404" pitchFamily="49" charset="0"/>
               </a:rPr>
               <a:t>llvm</a:t>
             </a:r>
             <a:r>
-              <a:rPr lang="en-US" altLang="ko-KR" sz="1400" dirty="0">
+              <a:rPr lang="en-US" altLang="ko-KR" sz="1400" b="1">
                 <a:latin typeface="Courier New" panose="02070309020205020404" pitchFamily="49" charset="0"/>
                 <a:cs typeface="Courier New" panose="02070309020205020404" pitchFamily="49" charset="0"/>
               </a:rPr>
               <a:t> </a:t>
             </a:r>
-            <a:r>
-              <a:rPr lang="en-US" altLang="ko-KR" sz="1400" dirty="0" err="1">
-                <a:latin typeface="Courier New" panose="02070309020205020404" pitchFamily="49" charset="0"/>
-                <a:cs typeface="Courier New" panose="02070309020205020404" pitchFamily="49" charset="0"/>
-              </a:rPr>
-              <a:t>simple.c</a:t>
-            </a:r>
-            <a:endParaRPr lang="ko-KR" altLang="en-US" sz="1400" dirty="0">
+            <a:br>
+              <a:rPr lang="en-US" altLang="ko-KR" sz="1400" b="1">
+                <a:latin typeface="Courier New" panose="02070309020205020404" pitchFamily="49" charset="0"/>
+                <a:cs typeface="Courier New" panose="02070309020205020404" pitchFamily="49" charset="0"/>
+              </a:rPr>
+            </a:br>
+            <a:r>
+              <a:rPr lang="en-US" altLang="ko-KR" sz="1400" b="1">
+                <a:latin typeface="Courier New" panose="02070309020205020404" pitchFamily="49" charset="0"/>
+                <a:cs typeface="Courier New" panose="02070309020205020404" pitchFamily="49" charset="0"/>
+              </a:rPr>
+              <a:t>-fno-discard-value-names simple</a:t>
+            </a:r>
+            <a:r>
+              <a:rPr lang="en-US" altLang="ko-KR" sz="1400" b="1" dirty="0" err="1">
+                <a:latin typeface="Courier New" panose="02070309020205020404" pitchFamily="49" charset="0"/>
+                <a:cs typeface="Courier New" panose="02070309020205020404" pitchFamily="49" charset="0"/>
+              </a:rPr>
+              <a:t>.c</a:t>
+            </a:r>
+            <a:endParaRPr lang="ko-KR" altLang="en-US" sz="1400" b="1" dirty="0">
               <a:latin typeface="Courier New" panose="02070309020205020404" pitchFamily="49" charset="0"/>
               <a:cs typeface="Courier New" panose="02070309020205020404" pitchFamily="49" charset="0"/>
             </a:endParaRPr>
@@ -37572,7 +37607,7 @@
           <a:p>
             <a:fld id="{4BA1C6A6-2EED-4FEE-B0DE-52C668F8AF84}" type="datetime1">
               <a:rPr lang="ko-KR" altLang="en-US" smtClean="0"/>
-              <a:t>2023-04-13</a:t>
+              <a:t>2023-04-15</a:t>
             </a:fld>
             <a:endParaRPr lang="ko-KR" altLang="en-US"/>
           </a:p>

--- a/2-coverage/lec12-llvm-ir-v2.pptx
+++ b/2-coverage/lec12-llvm-ir-v2.pptx
@@ -28192,11 +28192,18 @@
               <a:t> </a:t>
             </a:r>
             <a:r>
-              <a:rPr lang="en-US" altLang="ko-KR" sz="1600" dirty="0">
-                <a:latin typeface="Courier New" panose="02070309020205020404" pitchFamily="49" charset="0"/>
-                <a:cs typeface="Courier New" panose="02070309020205020404" pitchFamily="49" charset="0"/>
-              </a:rPr>
-              <a:t>= [3 x </a:t>
+              <a:rPr lang="en-US" altLang="ko-KR" sz="1600">
+                <a:latin typeface="Courier New" panose="02070309020205020404" pitchFamily="49" charset="0"/>
+                <a:cs typeface="Courier New" panose="02070309020205020404" pitchFamily="49" charset="0"/>
+              </a:rPr>
+              <a:t>= constant [</a:t>
+            </a:r>
+            <a:r>
+              <a:rPr lang="en-US" altLang="ko-KR" sz="1600" dirty="0">
+                <a:latin typeface="Courier New" panose="02070309020205020404" pitchFamily="49" charset="0"/>
+                <a:cs typeface="Courier New" panose="02070309020205020404" pitchFamily="49" charset="0"/>
+              </a:rPr>
+              <a:t>3 x </a:t>
             </a:r>
             <a:r>
               <a:rPr lang="en-US" altLang="ko-KR" sz="1600" dirty="0">
